--- a/Python 列表.pptx
+++ b/Python 列表.pptx
@@ -240,7 +240,7 @@
             <a:fld id="{3E0FEC91-376F-4B3F-A168-65C97BFAF660}" type="datetimeFigureOut">
               <a:rPr lang="zh-CN" altLang="en-US" smtClean="0"/>
               <a:pPr/>
-              <a:t>2018/3/20</a:t>
+              <a:t>2018/3/21</a:t>
             </a:fld>
             <a:endParaRPr lang="zh-CN" altLang="en-US"/>
           </a:p>
@@ -1878,7 +1878,7 @@
             <a:fld id="{D0B1E9A6-3BBE-4152-ABC2-7AF76252B64C}" type="datetimeFigureOut">
               <a:rPr lang="zh-CN" altLang="en-US" smtClean="0"/>
               <a:pPr/>
-              <a:t>2018/3/20</a:t>
+              <a:t>2018/3/21</a:t>
             </a:fld>
             <a:endParaRPr lang="zh-CN" altLang="en-US"/>
           </a:p>
@@ -2048,7 +2048,7 @@
             <a:fld id="{D0B1E9A6-3BBE-4152-ABC2-7AF76252B64C}" type="datetimeFigureOut">
               <a:rPr lang="zh-CN" altLang="en-US" smtClean="0"/>
               <a:pPr/>
-              <a:t>2018/3/20</a:t>
+              <a:t>2018/3/21</a:t>
             </a:fld>
             <a:endParaRPr lang="zh-CN" altLang="en-US"/>
           </a:p>
@@ -2228,7 +2228,7 @@
             <a:fld id="{D0B1E9A6-3BBE-4152-ABC2-7AF76252B64C}" type="datetimeFigureOut">
               <a:rPr lang="zh-CN" altLang="en-US" smtClean="0"/>
               <a:pPr/>
-              <a:t>2018/3/20</a:t>
+              <a:t>2018/3/21</a:t>
             </a:fld>
             <a:endParaRPr lang="zh-CN" altLang="en-US"/>
           </a:p>
@@ -2422,7 +2422,7 @@
             <a:fld id="{65D6143D-C007-4F7D-8B9B-81A7FCC12036}" type="datetimeFigureOut">
               <a:rPr lang="zh-CN" altLang="en-US" smtClean="0"/>
               <a:pPr/>
-              <a:t>2018/3/20</a:t>
+              <a:t>2018/3/21</a:t>
             </a:fld>
             <a:endParaRPr lang="zh-CN" altLang="en-US"/>
           </a:p>
@@ -2594,7 +2594,7 @@
             <a:fld id="{65D6143D-C007-4F7D-8B9B-81A7FCC12036}" type="datetimeFigureOut">
               <a:rPr lang="zh-CN" altLang="en-US" smtClean="0"/>
               <a:pPr/>
-              <a:t>2018/3/20</a:t>
+              <a:t>2018/3/21</a:t>
             </a:fld>
             <a:endParaRPr lang="zh-CN" altLang="en-US"/>
           </a:p>
@@ -2842,7 +2842,7 @@
             <a:fld id="{65D6143D-C007-4F7D-8B9B-81A7FCC12036}" type="datetimeFigureOut">
               <a:rPr lang="zh-CN" altLang="en-US" smtClean="0"/>
               <a:pPr/>
-              <a:t>2018/3/20</a:t>
+              <a:t>2018/3/21</a:t>
             </a:fld>
             <a:endParaRPr lang="zh-CN" altLang="en-US"/>
           </a:p>
@@ -3076,7 +3076,7 @@
             <a:fld id="{65D6143D-C007-4F7D-8B9B-81A7FCC12036}" type="datetimeFigureOut">
               <a:rPr lang="zh-CN" altLang="en-US" smtClean="0"/>
               <a:pPr/>
-              <a:t>2018/3/20</a:t>
+              <a:t>2018/3/21</a:t>
             </a:fld>
             <a:endParaRPr lang="zh-CN" altLang="en-US"/>
           </a:p>
@@ -3445,7 +3445,7 @@
             <a:fld id="{65D6143D-C007-4F7D-8B9B-81A7FCC12036}" type="datetimeFigureOut">
               <a:rPr lang="zh-CN" altLang="en-US" smtClean="0"/>
               <a:pPr/>
-              <a:t>2018/3/20</a:t>
+              <a:t>2018/3/21</a:t>
             </a:fld>
             <a:endParaRPr lang="zh-CN" altLang="en-US"/>
           </a:p>
@@ -3565,7 +3565,7 @@
             <a:fld id="{65D6143D-C007-4F7D-8B9B-81A7FCC12036}" type="datetimeFigureOut">
               <a:rPr lang="zh-CN" altLang="en-US" smtClean="0"/>
               <a:pPr/>
-              <a:t>2018/3/20</a:t>
+              <a:t>2018/3/21</a:t>
             </a:fld>
             <a:endParaRPr lang="zh-CN" altLang="en-US"/>
           </a:p>
@@ -3662,7 +3662,7 @@
             <a:fld id="{65D6143D-C007-4F7D-8B9B-81A7FCC12036}" type="datetimeFigureOut">
               <a:rPr lang="zh-CN" altLang="en-US" smtClean="0"/>
               <a:pPr/>
-              <a:t>2018/3/20</a:t>
+              <a:t>2018/3/21</a:t>
             </a:fld>
             <a:endParaRPr lang="zh-CN" altLang="en-US"/>
           </a:p>
@@ -3941,7 +3941,7 @@
             <a:fld id="{65D6143D-C007-4F7D-8B9B-81A7FCC12036}" type="datetimeFigureOut">
               <a:rPr lang="zh-CN" altLang="en-US" smtClean="0"/>
               <a:pPr/>
-              <a:t>2018/3/20</a:t>
+              <a:t>2018/3/21</a:t>
             </a:fld>
             <a:endParaRPr lang="zh-CN" altLang="en-US"/>
           </a:p>
@@ -4111,7 +4111,7 @@
             <a:fld id="{D0B1E9A6-3BBE-4152-ABC2-7AF76252B64C}" type="datetimeFigureOut">
               <a:rPr lang="zh-CN" altLang="en-US" smtClean="0"/>
               <a:pPr/>
-              <a:t>2018/3/20</a:t>
+              <a:t>2018/3/21</a:t>
             </a:fld>
             <a:endParaRPr lang="zh-CN" altLang="en-US"/>
           </a:p>
@@ -4370,7 +4370,7 @@
             <a:fld id="{65D6143D-C007-4F7D-8B9B-81A7FCC12036}" type="datetimeFigureOut">
               <a:rPr lang="zh-CN" altLang="en-US" smtClean="0"/>
               <a:pPr/>
-              <a:t>2018/3/20</a:t>
+              <a:t>2018/3/21</a:t>
             </a:fld>
             <a:endParaRPr lang="zh-CN" altLang="en-US"/>
           </a:p>
@@ -4542,7 +4542,7 @@
             <a:fld id="{65D6143D-C007-4F7D-8B9B-81A7FCC12036}" type="datetimeFigureOut">
               <a:rPr lang="zh-CN" altLang="en-US" smtClean="0"/>
               <a:pPr/>
-              <a:t>2018/3/20</a:t>
+              <a:t>2018/3/21</a:t>
             </a:fld>
             <a:endParaRPr lang="zh-CN" altLang="en-US"/>
           </a:p>
@@ -4724,7 +4724,7 @@
             <a:fld id="{65D6143D-C007-4F7D-8B9B-81A7FCC12036}" type="datetimeFigureOut">
               <a:rPr lang="zh-CN" altLang="en-US" smtClean="0"/>
               <a:pPr/>
-              <a:t>2018/3/20</a:t>
+              <a:t>2018/3/21</a:t>
             </a:fld>
             <a:endParaRPr lang="zh-CN" altLang="en-US"/>
           </a:p>
@@ -4971,7 +4971,7 @@
             <a:fld id="{D0B1E9A6-3BBE-4152-ABC2-7AF76252B64C}" type="datetimeFigureOut">
               <a:rPr lang="zh-CN" altLang="en-US" smtClean="0"/>
               <a:pPr/>
-              <a:t>2018/3/20</a:t>
+              <a:t>2018/3/21</a:t>
             </a:fld>
             <a:endParaRPr lang="zh-CN" altLang="en-US"/>
           </a:p>
@@ -5258,7 +5258,7 @@
             <a:fld id="{D0B1E9A6-3BBE-4152-ABC2-7AF76252B64C}" type="datetimeFigureOut">
               <a:rPr lang="zh-CN" altLang="en-US" smtClean="0"/>
               <a:pPr/>
-              <a:t>2018/3/20</a:t>
+              <a:t>2018/3/21</a:t>
             </a:fld>
             <a:endParaRPr lang="zh-CN" altLang="en-US"/>
           </a:p>
@@ -5679,7 +5679,7 @@
             <a:fld id="{D0B1E9A6-3BBE-4152-ABC2-7AF76252B64C}" type="datetimeFigureOut">
               <a:rPr lang="zh-CN" altLang="en-US" smtClean="0"/>
               <a:pPr/>
-              <a:t>2018/3/20</a:t>
+              <a:t>2018/3/21</a:t>
             </a:fld>
             <a:endParaRPr lang="zh-CN" altLang="en-US"/>
           </a:p>
@@ -5798,7 +5798,7 @@
             <a:fld id="{D0B1E9A6-3BBE-4152-ABC2-7AF76252B64C}" type="datetimeFigureOut">
               <a:rPr lang="zh-CN" altLang="en-US" smtClean="0"/>
               <a:pPr/>
-              <a:t>2018/3/20</a:t>
+              <a:t>2018/3/21</a:t>
             </a:fld>
             <a:endParaRPr lang="zh-CN" altLang="en-US"/>
           </a:p>
@@ -5895,7 +5895,7 @@
             <a:fld id="{D0B1E9A6-3BBE-4152-ABC2-7AF76252B64C}" type="datetimeFigureOut">
               <a:rPr lang="zh-CN" altLang="en-US" smtClean="0"/>
               <a:pPr/>
-              <a:t>2018/3/20</a:t>
+              <a:t>2018/3/21</a:t>
             </a:fld>
             <a:endParaRPr lang="zh-CN" altLang="en-US"/>
           </a:p>
@@ -6172,7 +6172,7 @@
             <a:fld id="{D0B1E9A6-3BBE-4152-ABC2-7AF76252B64C}" type="datetimeFigureOut">
               <a:rPr lang="zh-CN" altLang="en-US" smtClean="0"/>
               <a:pPr/>
-              <a:t>2018/3/20</a:t>
+              <a:t>2018/3/21</a:t>
             </a:fld>
             <a:endParaRPr lang="zh-CN" altLang="en-US"/>
           </a:p>
@@ -6426,7 +6426,7 @@
             <a:fld id="{D0B1E9A6-3BBE-4152-ABC2-7AF76252B64C}" type="datetimeFigureOut">
               <a:rPr lang="zh-CN" altLang="en-US" smtClean="0"/>
               <a:pPr/>
-              <a:t>2018/3/20</a:t>
+              <a:t>2018/3/21</a:t>
             </a:fld>
             <a:endParaRPr lang="zh-CN" altLang="en-US"/>
           </a:p>
@@ -6644,7 +6644,7 @@
             <a:fld id="{D0B1E9A6-3BBE-4152-ABC2-7AF76252B64C}" type="datetimeFigureOut">
               <a:rPr lang="zh-CN" altLang="en-US" smtClean="0"/>
               <a:pPr/>
-              <a:t>2018/3/20</a:t>
+              <a:t>2018/3/21</a:t>
             </a:fld>
             <a:endParaRPr lang="zh-CN" altLang="en-US"/>
           </a:p>
@@ -7156,7 +7156,7 @@
             <a:fld id="{D0B1E9A6-3BBE-4152-ABC2-7AF76252B64C}" type="datetimeFigureOut">
               <a:rPr lang="zh-CN" altLang="en-US" smtClean="0"/>
               <a:pPr/>
-              <a:t>2018/3/20</a:t>
+              <a:t>2018/3/21</a:t>
             </a:fld>
             <a:endParaRPr lang="zh-CN" altLang="en-US"/>
           </a:p>
@@ -9463,7 +9463,7 @@
                 <a:latin typeface="微软雅黑" panose="020B0503020204020204" pitchFamily="34" charset="-122"/>
                 <a:ea typeface="微软雅黑" panose="020B0503020204020204" pitchFamily="34" charset="-122"/>
               </a:rPr>
-              <a:t>3. </a:t>
+              <a:t>4. </a:t>
             </a:r>
             <a:r>
               <a:rPr lang="zh-CN" altLang="en-US" sz="2000" dirty="0">
@@ -10322,7 +10322,7 @@
                 <a:latin typeface="微软雅黑" panose="020B0503020204020204" pitchFamily="34" charset="-122"/>
                 <a:ea typeface="微软雅黑" panose="020B0503020204020204" pitchFamily="34" charset="-122"/>
               </a:rPr>
-              <a:t>3. </a:t>
+              <a:t>4. </a:t>
             </a:r>
             <a:r>
               <a:rPr lang="zh-CN" altLang="en-US" sz="2000" dirty="0">
@@ -12038,7 +12038,7 @@
                 <a:latin typeface="微软雅黑" panose="020B0503020204020204" pitchFamily="34" charset="-122"/>
                 <a:ea typeface="微软雅黑" panose="020B0503020204020204" pitchFamily="34" charset="-122"/>
               </a:rPr>
-              <a:t>4. </a:t>
+              <a:t>5. </a:t>
             </a:r>
             <a:r>
               <a:rPr lang="zh-CN" altLang="en-US" sz="2000" dirty="0">
@@ -12153,7 +12153,7 @@
                 <a:latin typeface="微软雅黑" panose="020B0503020204020204" pitchFamily="34" charset="-122"/>
                 <a:ea typeface="微软雅黑" panose="020B0503020204020204" pitchFamily="34" charset="-122"/>
               </a:rPr>
-              <a:t>4.1 </a:t>
+              <a:t>5.1 </a:t>
             </a:r>
             <a:r>
               <a:rPr lang="zh-CN" altLang="en-US" sz="1600" dirty="0">
@@ -12486,7 +12486,7 @@
                 <a:latin typeface="微软雅黑" panose="020B0503020204020204" pitchFamily="34" charset="-122"/>
                 <a:ea typeface="微软雅黑" panose="020B0503020204020204" pitchFamily="34" charset="-122"/>
               </a:rPr>
-              <a:t>4.1 </a:t>
+              <a:t>5.1 </a:t>
             </a:r>
             <a:r>
               <a:rPr lang="zh-CN" altLang="en-US" sz="1600" dirty="0">
@@ -12819,7 +12819,7 @@
                 <a:latin typeface="微软雅黑" panose="020B0503020204020204" pitchFamily="34" charset="-122"/>
                 <a:ea typeface="微软雅黑" panose="020B0503020204020204" pitchFamily="34" charset="-122"/>
               </a:rPr>
-              <a:t>4.2 </a:t>
+              <a:t>5.2 </a:t>
             </a:r>
             <a:r>
               <a:rPr lang="zh-CN" altLang="en-US" sz="1600" dirty="0">
@@ -19020,8 +19020,8 @@
           </a:p>
         </p:txBody>
       </p:sp>
-      <mc:AlternateContent xmlns:mc="http://schemas.openxmlformats.org/markup-compatibility/2006">
-        <mc:Choice xmlns:a14="http://schemas.microsoft.com/office/drawing/2010/main" Requires="a14">
+      <mc:AlternateContent xmlns:mc="http://schemas.openxmlformats.org/markup-compatibility/2006" xmlns:a14="http://schemas.microsoft.com/office/drawing/2010/main">
+        <mc:Choice Requires="a14">
           <p:sp>
             <p:nvSpPr>
               <p:cNvPr id="10" name="文本框 9">
@@ -19416,7 +19416,7 @@
             </p:txBody>
           </p:sp>
         </mc:Choice>
-        <mc:Fallback>
+        <mc:Fallback xmlns="">
           <p:sp>
             <p:nvSpPr>
               <p:cNvPr id="10" name="文本框 9">
@@ -24774,7 +24774,7 @@
             </a:r>
             <a:r>
               <a:rPr lang="zh-CN" altLang="en-US" sz="1600" dirty="0"/>
-              <a:t>中内置可变序列，是一个元素的有序集合，列表中的每一个数据称为元素，列表的所有元素放在一对中括号“</a:t>
+              <a:t>中内置可变序列，是一个元素有序集合，列表中的每一个数据称为元素，列表的所有元素放在一对中括号“</a:t>
             </a:r>
             <a:r>
               <a:rPr lang="en-US" altLang="zh-CN" sz="1600" dirty="0"/>
